--- a/Uke 35/Uke 35.pptx
+++ b/Uke 35/Uke 35.pptx
@@ -130,98 +130,6 @@
     <p1510:client id="{92AFB4A4-B4E5-4DA5-977D-48F11A181305}" v="7" dt="2019-08-26T06:40:00.052"/>
   </p1510:revLst>
 </p1510:revInfo>
-</file>
-
-<file path=ppt/changesInfos/changesInfo1.xml><?xml version="1.0" encoding="utf-8"?>
-<pc:chgInfo xmlns:a="http://schemas.openxmlformats.org/drawingml/2006/main" xmlns:r="http://schemas.openxmlformats.org/officeDocument/2006/relationships" xmlns:ac="http://schemas.microsoft.com/office/drawing/2013/main/command" xmlns:pc="http://schemas.microsoft.com/office/powerpoint/2013/main/command">
-  <pc:docChgLst>
-    <pc:chgData name="Aizan Magomadova" userId="b3d38ecc-02a7-4810-ad44-0e9f513517c5" providerId="ADAL" clId="{92AFB4A4-B4E5-4DA5-977D-48F11A181305}"/>
-    <pc:docChg chg="undo custSel mod addSld modSld">
-      <pc:chgData name="Aizan Magomadova" userId="b3d38ecc-02a7-4810-ad44-0e9f513517c5" providerId="ADAL" clId="{92AFB4A4-B4E5-4DA5-977D-48F11A181305}" dt="2019-08-26T06:40:01.030" v="52" actId="114"/>
-      <pc:docMkLst>
-        <pc:docMk/>
-      </pc:docMkLst>
-      <pc:sldChg chg="modSp add">
-        <pc:chgData name="Aizan Magomadova" userId="b3d38ecc-02a7-4810-ad44-0e9f513517c5" providerId="ADAL" clId="{92AFB4A4-B4E5-4DA5-977D-48F11A181305}" dt="2019-08-24T00:46:54.672" v="24" actId="20577"/>
-        <pc:sldMkLst>
-          <pc:docMk/>
-          <pc:sldMk cId="186933296" sldId="268"/>
-        </pc:sldMkLst>
-        <pc:spChg chg="mod">
-          <ac:chgData name="Aizan Magomadova" userId="b3d38ecc-02a7-4810-ad44-0e9f513517c5" providerId="ADAL" clId="{92AFB4A4-B4E5-4DA5-977D-48F11A181305}" dt="2019-08-24T00:46:54.672" v="24" actId="20577"/>
-          <ac:spMkLst>
-            <pc:docMk/>
-            <pc:sldMk cId="186933296" sldId="268"/>
-            <ac:spMk id="2" creationId="{4EFC8471-A973-493B-BD1F-08086631EAF4}"/>
-          </ac:spMkLst>
-        </pc:spChg>
-        <pc:spChg chg="mod">
-          <ac:chgData name="Aizan Magomadova" userId="b3d38ecc-02a7-4810-ad44-0e9f513517c5" providerId="ADAL" clId="{92AFB4A4-B4E5-4DA5-977D-48F11A181305}" dt="2019-08-24T00:46:37.881" v="1"/>
-          <ac:spMkLst>
-            <pc:docMk/>
-            <pc:sldMk cId="186933296" sldId="268"/>
-            <ac:spMk id="3" creationId="{9EA01DEB-8B67-461C-9F18-B67B98C2E0CC}"/>
-          </ac:spMkLst>
-        </pc:spChg>
-      </pc:sldChg>
-      <pc:sldChg chg="addSp delSp modSp add mod setBg">
-        <pc:chgData name="Aizan Magomadova" userId="b3d38ecc-02a7-4810-ad44-0e9f513517c5" providerId="ADAL" clId="{92AFB4A4-B4E5-4DA5-977D-48F11A181305}" dt="2019-08-26T06:40:01.030" v="52" actId="114"/>
-        <pc:sldMkLst>
-          <pc:docMk/>
-          <pc:sldMk cId="1183327962" sldId="269"/>
-        </pc:sldMkLst>
-        <pc:spChg chg="mod">
-          <ac:chgData name="Aizan Magomadova" userId="b3d38ecc-02a7-4810-ad44-0e9f513517c5" providerId="ADAL" clId="{92AFB4A4-B4E5-4DA5-977D-48F11A181305}" dt="2019-08-26T06:39:22.077" v="47" actId="26606"/>
-          <ac:spMkLst>
-            <pc:docMk/>
-            <pc:sldMk cId="1183327962" sldId="269"/>
-            <ac:spMk id="2" creationId="{A509AF60-D450-4F29-A771-0071B8B201FE}"/>
-          </ac:spMkLst>
-        </pc:spChg>
-        <pc:spChg chg="del mod">
-          <ac:chgData name="Aizan Magomadova" userId="b3d38ecc-02a7-4810-ad44-0e9f513517c5" providerId="ADAL" clId="{92AFB4A4-B4E5-4DA5-977D-48F11A181305}" dt="2019-08-26T06:37:43.077" v="27"/>
-          <ac:spMkLst>
-            <pc:docMk/>
-            <pc:sldMk cId="1183327962" sldId="269"/>
-            <ac:spMk id="3" creationId="{E41ABE02-B39F-4ADE-BB61-5AB83DCFA18D}"/>
-          </ac:spMkLst>
-        </pc:spChg>
-        <pc:spChg chg="mod ord">
-          <ac:chgData name="Aizan Magomadova" userId="b3d38ecc-02a7-4810-ad44-0e9f513517c5" providerId="ADAL" clId="{92AFB4A4-B4E5-4DA5-977D-48F11A181305}" dt="2019-08-26T06:40:01.030" v="52" actId="114"/>
-          <ac:spMkLst>
-            <pc:docMk/>
-            <pc:sldMk cId="1183327962" sldId="269"/>
-            <ac:spMk id="4" creationId="{A08C353F-7025-4F6A-9E20-2C4270C6C417}"/>
-          </ac:spMkLst>
-        </pc:spChg>
-        <pc:spChg chg="add del">
-          <ac:chgData name="Aizan Magomadova" userId="b3d38ecc-02a7-4810-ad44-0e9f513517c5" providerId="ADAL" clId="{92AFB4A4-B4E5-4DA5-977D-48F11A181305}" dt="2019-08-26T06:39:22.061" v="46" actId="26606"/>
-          <ac:spMkLst>
-            <pc:docMk/>
-            <pc:sldMk cId="1183327962" sldId="269"/>
-            <ac:spMk id="10" creationId="{5E39A796-BE83-48B1-B33F-35C4A32AAB57}"/>
-          </ac:spMkLst>
-        </pc:spChg>
-        <pc:spChg chg="add del">
-          <ac:chgData name="Aizan Magomadova" userId="b3d38ecc-02a7-4810-ad44-0e9f513517c5" providerId="ADAL" clId="{92AFB4A4-B4E5-4DA5-977D-48F11A181305}" dt="2019-08-26T06:39:22.061" v="46" actId="26606"/>
-          <ac:spMkLst>
-            <pc:docMk/>
-            <pc:sldMk cId="1183327962" sldId="269"/>
-            <ac:spMk id="12" creationId="{72F84B47-E267-4194-8194-831DB7B5547F}"/>
-          </ac:spMkLst>
-        </pc:spChg>
-        <pc:picChg chg="add mod">
-          <ac:chgData name="Aizan Magomadova" userId="b3d38ecc-02a7-4810-ad44-0e9f513517c5" providerId="ADAL" clId="{92AFB4A4-B4E5-4DA5-977D-48F11A181305}" dt="2019-08-26T06:39:22.077" v="47" actId="26606"/>
-          <ac:picMkLst>
-            <pc:docMk/>
-            <pc:sldMk cId="1183327962" sldId="269"/>
-            <ac:picMk id="5" creationId="{8A66F274-6A95-4D61-90CE-E3B462A2D1F2}"/>
-          </ac:picMkLst>
-        </pc:picChg>
-      </pc:sldChg>
-    </pc:docChg>
-  </pc:docChgLst>
-</pc:chgInfo>
 </file>
 
 <file path=ppt/diagrams/colors1.xml><?xml version="1.0" encoding="utf-8"?>
@@ -3573,7 +3481,7 @@
           <a:p>
             <a:fld id="{755AAAF1-8238-4805-AF56-3F08C339C807}" type="datetimeFigureOut">
               <a:rPr lang="nb-NO" smtClean="0"/>
-              <a:t>24.08.2019</a:t>
+              <a:t>28.08.2019</a:t>
             </a:fld>
             <a:endParaRPr lang="nb-NO"/>
           </a:p>
@@ -3771,7 +3679,7 @@
           <a:p>
             <a:fld id="{755AAAF1-8238-4805-AF56-3F08C339C807}" type="datetimeFigureOut">
               <a:rPr lang="nb-NO" smtClean="0"/>
-              <a:t>24.08.2019</a:t>
+              <a:t>28.08.2019</a:t>
             </a:fld>
             <a:endParaRPr lang="nb-NO"/>
           </a:p>
@@ -3979,7 +3887,7 @@
           <a:p>
             <a:fld id="{755AAAF1-8238-4805-AF56-3F08C339C807}" type="datetimeFigureOut">
               <a:rPr lang="nb-NO" smtClean="0"/>
-              <a:t>24.08.2019</a:t>
+              <a:t>28.08.2019</a:t>
             </a:fld>
             <a:endParaRPr lang="nb-NO"/>
           </a:p>
@@ -4177,7 +4085,7 @@
           <a:p>
             <a:fld id="{755AAAF1-8238-4805-AF56-3F08C339C807}" type="datetimeFigureOut">
               <a:rPr lang="nb-NO" smtClean="0"/>
-              <a:t>24.08.2019</a:t>
+              <a:t>28.08.2019</a:t>
             </a:fld>
             <a:endParaRPr lang="nb-NO"/>
           </a:p>
@@ -4452,7 +4360,7 @@
           <a:p>
             <a:fld id="{755AAAF1-8238-4805-AF56-3F08C339C807}" type="datetimeFigureOut">
               <a:rPr lang="nb-NO" smtClean="0"/>
-              <a:t>24.08.2019</a:t>
+              <a:t>28.08.2019</a:t>
             </a:fld>
             <a:endParaRPr lang="nb-NO"/>
           </a:p>
@@ -4717,7 +4625,7 @@
           <a:p>
             <a:fld id="{755AAAF1-8238-4805-AF56-3F08C339C807}" type="datetimeFigureOut">
               <a:rPr lang="nb-NO" smtClean="0"/>
-              <a:t>24.08.2019</a:t>
+              <a:t>28.08.2019</a:t>
             </a:fld>
             <a:endParaRPr lang="nb-NO"/>
           </a:p>
@@ -5129,7 +5037,7 @@
           <a:p>
             <a:fld id="{755AAAF1-8238-4805-AF56-3F08C339C807}" type="datetimeFigureOut">
               <a:rPr lang="nb-NO" smtClean="0"/>
-              <a:t>24.08.2019</a:t>
+              <a:t>28.08.2019</a:t>
             </a:fld>
             <a:endParaRPr lang="nb-NO"/>
           </a:p>
@@ -5270,7 +5178,7 @@
           <a:p>
             <a:fld id="{755AAAF1-8238-4805-AF56-3F08C339C807}" type="datetimeFigureOut">
               <a:rPr lang="nb-NO" smtClean="0"/>
-              <a:t>24.08.2019</a:t>
+              <a:t>28.08.2019</a:t>
             </a:fld>
             <a:endParaRPr lang="nb-NO"/>
           </a:p>
@@ -5383,7 +5291,7 @@
           <a:p>
             <a:fld id="{755AAAF1-8238-4805-AF56-3F08C339C807}" type="datetimeFigureOut">
               <a:rPr lang="nb-NO" smtClean="0"/>
-              <a:t>24.08.2019</a:t>
+              <a:t>28.08.2019</a:t>
             </a:fld>
             <a:endParaRPr lang="nb-NO"/>
           </a:p>
@@ -5694,7 +5602,7 @@
           <a:p>
             <a:fld id="{755AAAF1-8238-4805-AF56-3F08C339C807}" type="datetimeFigureOut">
               <a:rPr lang="nb-NO" smtClean="0"/>
-              <a:t>24.08.2019</a:t>
+              <a:t>28.08.2019</a:t>
             </a:fld>
             <a:endParaRPr lang="nb-NO"/>
           </a:p>
@@ -5982,7 +5890,7 @@
           <a:p>
             <a:fld id="{755AAAF1-8238-4805-AF56-3F08C339C807}" type="datetimeFigureOut">
               <a:rPr lang="nb-NO" smtClean="0"/>
-              <a:t>24.08.2019</a:t>
+              <a:t>28.08.2019</a:t>
             </a:fld>
             <a:endParaRPr lang="nb-NO"/>
           </a:p>
@@ -6223,7 +6131,7 @@
           <a:p>
             <a:fld id="{755AAAF1-8238-4805-AF56-3F08C339C807}" type="datetimeFigureOut">
               <a:rPr lang="nb-NO" smtClean="0"/>
-              <a:t>24.08.2019</a:t>
+              <a:t>28.08.2019</a:t>
             </a:fld>
             <a:endParaRPr lang="nb-NO"/>
           </a:p>
@@ -8288,7 +8196,7 @@
         <p:spPr/>
         <p:txBody>
           <a:bodyPr>
-            <a:normAutofit/>
+            <a:normAutofit fontScale="77500" lnSpcReduction="20000"/>
           </a:bodyPr>
           <a:lstStyle/>
           <a:p>
@@ -8342,15 +8250,6 @@
             </a:r>
           </a:p>
           <a:p>
-            <a:pPr marL="0" indent="0">
-              <a:buNone/>
-            </a:pPr>
-            <a:r>
-              <a:rPr lang="nb-NO" dirty="0"/>
-              <a:t>    eller </a:t>
-            </a:r>
-          </a:p>
-          <a:p>
             <a:pPr marL="914400" lvl="2" indent="0">
               <a:buNone/>
             </a:pPr>
@@ -8371,6 +8270,82 @@
             <a:r>
               <a:rPr lang="nb-NO" i="1" dirty="0" err="1">
                 <a:solidFill>
+                  <a:schemeClr val="accent1">
+                    <a:lumMod val="75000"/>
+                  </a:schemeClr>
+                </a:solidFill>
+              </a:rPr>
+              <a:t>document.getElementsByClassName</a:t>
+            </a:r>
+            <a:r>
+              <a:rPr lang="nb-NO" i="1" dirty="0">
+                <a:solidFill>
+                  <a:schemeClr val="accent1">
+                    <a:lumMod val="75000"/>
+                  </a:schemeClr>
+                </a:solidFill>
+              </a:rPr>
+              <a:t>(</a:t>
+            </a:r>
+            <a:r>
+              <a:rPr lang="nb-NO" dirty="0"/>
+              <a:t>«klassenavn»);</a:t>
+            </a:r>
+            <a:r>
+              <a:rPr lang="nb-NO" i="1" dirty="0"/>
+              <a:t> //returnerer alle elementer (får en </a:t>
+            </a:r>
+            <a:r>
+              <a:rPr lang="nb-NO" i="1" dirty="0" err="1"/>
+              <a:t>array</a:t>
+            </a:r>
+            <a:r>
+              <a:rPr lang="nb-NO" i="1" dirty="0"/>
+              <a:t> i retur) med angitt selektor</a:t>
+            </a:r>
+          </a:p>
+          <a:p>
+            <a:pPr marL="914400" lvl="2" indent="0">
+              <a:buNone/>
+            </a:pPr>
+            <a:endParaRPr lang="nb-NO" dirty="0"/>
+          </a:p>
+          <a:p>
+            <a:pPr marL="914400" lvl="2" indent="0">
+              <a:buNone/>
+            </a:pPr>
+            <a:endParaRPr lang="nb-NO" dirty="0"/>
+          </a:p>
+          <a:p>
+            <a:pPr marL="0" indent="0">
+              <a:buNone/>
+            </a:pPr>
+            <a:r>
+              <a:rPr lang="nb-NO" dirty="0"/>
+              <a:t>    eller </a:t>
+            </a:r>
+          </a:p>
+          <a:p>
+            <a:pPr marL="914400" lvl="2" indent="0">
+              <a:buNone/>
+            </a:pPr>
+            <a:r>
+              <a:rPr lang="nb-NO" i="1" dirty="0">
+                <a:solidFill>
+                  <a:schemeClr val="accent1">
+                    <a:lumMod val="75000"/>
+                  </a:schemeClr>
+                </a:solidFill>
+              </a:rPr>
+              <a:t>var</a:t>
+            </a:r>
+            <a:r>
+              <a:rPr lang="nb-NO" dirty="0"/>
+              <a:t> variabelnavn = </a:t>
+            </a:r>
+            <a:r>
+              <a:rPr lang="nb-NO" i="1" dirty="0" err="1">
+                <a:solidFill>
                   <a:schemeClr val="accent1"/>
                 </a:solidFill>
               </a:rPr>
@@ -8441,8 +8416,77 @@
             </a:r>
             <a:r>
               <a:rPr lang="nb-NO" i="1" dirty="0"/>
-              <a:t>»);</a:t>
-            </a:r>
+              <a:t>»); //returnerer første element med angitt selektor</a:t>
+            </a:r>
+          </a:p>
+          <a:p>
+            <a:pPr marL="914400" lvl="2" indent="0">
+              <a:buNone/>
+            </a:pPr>
+            <a:r>
+              <a:rPr lang="nb-NO" i="1" dirty="0">
+                <a:solidFill>
+                  <a:schemeClr val="accent1">
+                    <a:lumMod val="75000"/>
+                  </a:schemeClr>
+                </a:solidFill>
+              </a:rPr>
+              <a:t>var </a:t>
+            </a:r>
+            <a:r>
+              <a:rPr lang="nb-NO" dirty="0"/>
+              <a:t>variabelnavn</a:t>
+            </a:r>
+            <a:r>
+              <a:rPr lang="nb-NO" i="1" dirty="0">
+                <a:solidFill>
+                  <a:schemeClr val="accent1">
+                    <a:lumMod val="75000"/>
+                  </a:schemeClr>
+                </a:solidFill>
+              </a:rPr>
+              <a:t> = </a:t>
+            </a:r>
+            <a:r>
+              <a:rPr lang="nb-NO" i="1" dirty="0" err="1">
+                <a:solidFill>
+                  <a:schemeClr val="accent1">
+                    <a:lumMod val="75000"/>
+                  </a:schemeClr>
+                </a:solidFill>
+              </a:rPr>
+              <a:t>document.querySelectorAll</a:t>
+            </a:r>
+            <a:r>
+              <a:rPr lang="nb-NO" i="1" dirty="0"/>
+              <a:t>(«</a:t>
+            </a:r>
+            <a:r>
+              <a:rPr lang="nb-NO" dirty="0"/>
+              <a:t>.</a:t>
+            </a:r>
+            <a:r>
+              <a:rPr lang="nb-NO" dirty="0" err="1"/>
+              <a:t>klasseNavn</a:t>
+            </a:r>
+            <a:r>
+              <a:rPr lang="nb-NO" i="1" dirty="0"/>
+              <a:t>»); //returnerer alle elementer (får en </a:t>
+            </a:r>
+            <a:r>
+              <a:rPr lang="nb-NO" i="1" dirty="0" err="1"/>
+              <a:t>array</a:t>
+            </a:r>
+            <a:r>
+              <a:rPr lang="nb-NO" i="1" dirty="0"/>
+              <a:t> i retur) med angitt selektor</a:t>
+            </a:r>
+          </a:p>
+          <a:p>
+            <a:pPr marL="914400" lvl="2" indent="0">
+              <a:buNone/>
+            </a:pPr>
+            <a:endParaRPr lang="nb-NO" i="1" dirty="0"/>
           </a:p>
           <a:p>
             <a:pPr marL="0" indent="-329184">
@@ -8555,7 +8599,7 @@
                   <a:schemeClr val="accent1"/>
                 </a:solidFill>
               </a:rPr>
-              <a:t>attributt</a:t>
+              <a:t>attributtNavn</a:t>
             </a:r>
             <a:r>
               <a:rPr lang="nb-NO" dirty="0">
@@ -8696,15 +8740,33 @@
                                   </p:childTnLst>
                                 </p:cTn>
                               </p:par>
+                            </p:childTnLst>
+                          </p:cTn>
+                        </p:par>
+                      </p:childTnLst>
+                    </p:cTn>
+                  </p:par>
+                  <p:par>
+                    <p:cTn id="11" fill="hold">
+                      <p:stCondLst>
+                        <p:cond delay="indefinite"/>
+                      </p:stCondLst>
+                      <p:childTnLst>
+                        <p:par>
+                          <p:cTn id="12" fill="hold">
+                            <p:stCondLst>
+                              <p:cond delay="0"/>
+                            </p:stCondLst>
+                            <p:childTnLst>
                               <p:par>
-                                <p:cTn id="11" presetID="1" presetClass="entr" presetSubtype="0" fill="hold" nodeType="withEffect">
+                                <p:cTn id="13" presetID="1" presetClass="entr" presetSubtype="0" fill="hold" nodeType="clickEffect">
                                   <p:stCondLst>
                                     <p:cond delay="0"/>
                                   </p:stCondLst>
                                   <p:childTnLst>
                                     <p:set>
                                       <p:cBhvr>
-                                        <p:cTn id="12" dur="1" fill="hold">
+                                        <p:cTn id="14" dur="1" fill="hold">
                                           <p:stCondLst>
                                             <p:cond delay="0"/>
                                           </p:stCondLst>
@@ -8712,7 +8774,7 @@
                                         <p:tgtEl>
                                           <p:spTgt spid="8">
                                             <p:txEl>
-                                              <p:pRg st="3" end="3"/>
+                                              <p:pRg st="5" end="5"/>
                                             </p:txEl>
                                           </p:spTgt>
                                         </p:tgtEl>
@@ -8727,26 +8789,8 @@
                                   </p:childTnLst>
                                 </p:cTn>
                               </p:par>
-                            </p:childTnLst>
-                          </p:cTn>
-                        </p:par>
-                      </p:childTnLst>
-                    </p:cTn>
-                  </p:par>
-                  <p:par>
-                    <p:cTn id="13" fill="hold">
-                      <p:stCondLst>
-                        <p:cond delay="indefinite"/>
-                      </p:stCondLst>
-                      <p:childTnLst>
-                        <p:par>
-                          <p:cTn id="14" fill="hold">
-                            <p:stCondLst>
-                              <p:cond delay="0"/>
-                            </p:stCondLst>
-                            <p:childTnLst>
                               <p:par>
-                                <p:cTn id="15" presetID="1" presetClass="entr" presetSubtype="0" fill="hold" nodeType="clickEffect">
+                                <p:cTn id="15" presetID="1" presetClass="entr" presetSubtype="0" fill="hold" nodeType="withEffect">
                                   <p:stCondLst>
                                     <p:cond delay="0"/>
                                   </p:stCondLst>
@@ -8761,7 +8805,7 @@
                                         <p:tgtEl>
                                           <p:spTgt spid="8">
                                             <p:txEl>
-                                              <p:pRg st="4" end="4"/>
+                                              <p:pRg st="6" end="6"/>
                                             </p:txEl>
                                           </p:spTgt>
                                         </p:tgtEl>
@@ -8810,7 +8854,7 @@
                                         <p:tgtEl>
                                           <p:spTgt spid="8">
                                             <p:txEl>
-                                              <p:pRg st="5" end="5"/>
+                                              <p:pRg st="7" end="7"/>
                                             </p:txEl>
                                           </p:spTgt>
                                         </p:tgtEl>
@@ -8859,7 +8903,7 @@
                                         <p:tgtEl>
                                           <p:spTgt spid="8">
                                             <p:txEl>
-                                              <p:pRg st="6" end="6"/>
+                                              <p:pRg st="8" end="8"/>
                                             </p:txEl>
                                           </p:spTgt>
                                         </p:tgtEl>
@@ -8908,7 +8952,105 @@
                                         <p:tgtEl>
                                           <p:spTgt spid="8">
                                             <p:txEl>
-                                              <p:pRg st="7" end="7"/>
+                                              <p:pRg st="10" end="10"/>
+                                            </p:txEl>
+                                          </p:spTgt>
+                                        </p:tgtEl>
+                                        <p:attrNameLst>
+                                          <p:attrName>style.visibility</p:attrName>
+                                        </p:attrNameLst>
+                                      </p:cBhvr>
+                                      <p:to>
+                                        <p:strVal val="visible"/>
+                                      </p:to>
+                                    </p:set>
+                                  </p:childTnLst>
+                                </p:cTn>
+                              </p:par>
+                            </p:childTnLst>
+                          </p:cTn>
+                        </p:par>
+                      </p:childTnLst>
+                    </p:cTn>
+                  </p:par>
+                  <p:par>
+                    <p:cTn id="29" fill="hold">
+                      <p:stCondLst>
+                        <p:cond delay="indefinite"/>
+                      </p:stCondLst>
+                      <p:childTnLst>
+                        <p:par>
+                          <p:cTn id="30" fill="hold">
+                            <p:stCondLst>
+                              <p:cond delay="0"/>
+                            </p:stCondLst>
+                            <p:childTnLst>
+                              <p:par>
+                                <p:cTn id="31" presetID="1" presetClass="entr" presetSubtype="0" fill="hold" nodeType="clickEffect">
+                                  <p:stCondLst>
+                                    <p:cond delay="0"/>
+                                  </p:stCondLst>
+                                  <p:childTnLst>
+                                    <p:set>
+                                      <p:cBhvr>
+                                        <p:cTn id="32" dur="1" fill="hold">
+                                          <p:stCondLst>
+                                            <p:cond delay="0"/>
+                                          </p:stCondLst>
+                                        </p:cTn>
+                                        <p:tgtEl>
+                                          <p:spTgt spid="8">
+                                            <p:txEl>
+                                              <p:pRg st="11" end="11"/>
+                                            </p:txEl>
+                                          </p:spTgt>
+                                        </p:tgtEl>
+                                        <p:attrNameLst>
+                                          <p:attrName>style.visibility</p:attrName>
+                                        </p:attrNameLst>
+                                      </p:cBhvr>
+                                      <p:to>
+                                        <p:strVal val="visible"/>
+                                      </p:to>
+                                    </p:set>
+                                  </p:childTnLst>
+                                </p:cTn>
+                              </p:par>
+                            </p:childTnLst>
+                          </p:cTn>
+                        </p:par>
+                      </p:childTnLst>
+                    </p:cTn>
+                  </p:par>
+                  <p:par>
+                    <p:cTn id="33" fill="hold">
+                      <p:stCondLst>
+                        <p:cond delay="indefinite"/>
+                      </p:stCondLst>
+                      <p:childTnLst>
+                        <p:par>
+                          <p:cTn id="34" fill="hold">
+                            <p:stCondLst>
+                              <p:cond delay="0"/>
+                            </p:stCondLst>
+                            <p:childTnLst>
+                              <p:par>
+                                <p:cTn id="35" presetID="1" presetClass="entr" presetSubtype="0" fill="hold" nodeType="clickEffect">
+                                  <p:stCondLst>
+                                    <p:cond delay="0"/>
+                                  </p:stCondLst>
+                                  <p:childTnLst>
+                                    <p:set>
+                                      <p:cBhvr>
+                                        <p:cTn id="36" dur="1" fill="hold">
+                                          <p:stCondLst>
+                                            <p:cond delay="0"/>
+                                          </p:stCondLst>
+                                        </p:cTn>
+                                        <p:tgtEl>
+                                          <p:spTgt spid="8">
+                                            <p:txEl>
+                                              <p:pRg st="12" end="12"/>
                                             </p:txEl>
                                           </p:spTgt>
                                         </p:tgtEl>
@@ -8924,14 +9066,14 @@
                                 </p:cTn>
                               </p:par>
                               <p:par>
-                                <p:cTn id="29" presetID="1" presetClass="entr" presetSubtype="0" fill="hold" nodeType="withEffect">
+                                <p:cTn id="37" presetID="1" presetClass="entr" presetSubtype="0" fill="hold" nodeType="withEffect">
                                   <p:stCondLst>
                                     <p:cond delay="0"/>
                                   </p:stCondLst>
                                   <p:childTnLst>
                                     <p:set>
                                       <p:cBhvr>
-                                        <p:cTn id="30" dur="1" fill="hold">
+                                        <p:cTn id="38" dur="1" fill="hold">
                                           <p:stCondLst>
                                             <p:cond delay="0"/>
                                           </p:stCondLst>
@@ -8939,7 +9081,7 @@
                                         <p:tgtEl>
                                           <p:spTgt spid="8">
                                             <p:txEl>
-                                              <p:pRg st="8" end="8"/>
+                                              <p:pRg st="13" end="13"/>
                                             </p:txEl>
                                           </p:spTgt>
                                         </p:tgtEl>
@@ -13563,15 +13705,6 @@
 </file>
 
 <file path=customXml/item2.xml><?xml version="1.0" encoding="utf-8"?>
-<?mso-contentType ?>
-<FormTemplates xmlns="http://schemas.microsoft.com/sharepoint/v3/contenttype/forms">
-  <Display>DocumentLibraryForm</Display>
-  <Edit>DocumentLibraryForm</Edit>
-  <New>DocumentLibraryForm</New>
-</FormTemplates>
-</file>
-
-<file path=customXml/item3.xml><?xml version="1.0" encoding="utf-8"?>
 <ct:contentTypeSchema xmlns:ct="http://schemas.microsoft.com/office/2006/metadata/contentType" xmlns:ma="http://schemas.microsoft.com/office/2006/metadata/properties/metaAttributes" ct:_="" ma:_="" ma:contentTypeName="Dokument" ma:contentTypeID="0x01010045865D2A2404A340A9116C967D5A8A18" ma:contentTypeVersion="8" ma:contentTypeDescription="Opprett et nytt dokument." ma:contentTypeScope="" ma:versionID="c1170821e5ddd0badc770b112e96b910">
   <xsd:schema xmlns:xsd="http://www.w3.org/2001/XMLSchema" xmlns:xs="http://www.w3.org/2001/XMLSchema" xmlns:p="http://schemas.microsoft.com/office/2006/metadata/properties" xmlns:ns3="7ee59893-5bfb-4ba5-ba61-3f9ac5a63a3a" targetNamespace="http://schemas.microsoft.com/office/2006/metadata/properties" ma:root="true" ma:fieldsID="105b5d8b40729520ebc3a32ed622274c" ns3:_="">
     <xsd:import namespace="7ee59893-5bfb-4ba5-ba61-3f9ac5a63a3a"/>
@@ -13741,16 +13874,25 @@
 </ct:contentTypeSchema>
 </file>
 
+<file path=customXml/item3.xml><?xml version="1.0" encoding="utf-8"?>
+<?mso-contentType ?>
+<FormTemplates xmlns="http://schemas.microsoft.com/sharepoint/v3/contenttype/forms">
+  <Display>DocumentLibraryForm</Display>
+  <Edit>DocumentLibraryForm</Edit>
+  <New>DocumentLibraryForm</New>
+</FormTemplates>
+</file>
+
 <file path=customXml/itemProps1.xml><?xml version="1.0" encoding="utf-8"?>
 <ds:datastoreItem xmlns:ds="http://schemas.openxmlformats.org/officeDocument/2006/customXml" ds:itemID="{91451E7D-0E7F-4B9F-B6A6-42437132BA5B}">
   <ds:schemaRefs>
-    <ds:schemaRef ds:uri="7ee59893-5bfb-4ba5-ba61-3f9ac5a63a3a"/>
-    <ds:schemaRef ds:uri="http://purl.org/dc/terms/"/>
-    <ds:schemaRef ds:uri="http://schemas.openxmlformats.org/package/2006/metadata/core-properties"/>
     <ds:schemaRef ds:uri="http://schemas.microsoft.com/office/2006/documentManagement/types"/>
     <ds:schemaRef ds:uri="http://schemas.microsoft.com/office/infopath/2007/PartnerControls"/>
     <ds:schemaRef ds:uri="http://purl.org/dc/elements/1.1/"/>
     <ds:schemaRef ds:uri="http://schemas.microsoft.com/office/2006/metadata/properties"/>
+    <ds:schemaRef ds:uri="7ee59893-5bfb-4ba5-ba61-3f9ac5a63a3a"/>
+    <ds:schemaRef ds:uri="http://purl.org/dc/terms/"/>
+    <ds:schemaRef ds:uri="http://schemas.openxmlformats.org/package/2006/metadata/core-properties"/>
     <ds:schemaRef ds:uri="http://www.w3.org/XML/1998/namespace"/>
     <ds:schemaRef ds:uri="http://purl.org/dc/dcmitype/"/>
   </ds:schemaRefs>
@@ -13758,14 +13900,6 @@
 </file>
 
 <file path=customXml/itemProps2.xml><?xml version="1.0" encoding="utf-8"?>
-<ds:datastoreItem xmlns:ds="http://schemas.openxmlformats.org/officeDocument/2006/customXml" ds:itemID="{3315FB20-4D41-4945-9B74-59535F709A8A}">
-  <ds:schemaRefs>
-    <ds:schemaRef ds:uri="http://schemas.microsoft.com/sharepoint/v3/contenttype/forms"/>
-  </ds:schemaRefs>
-</ds:datastoreItem>
-</file>
-
-<file path=customXml/itemProps3.xml><?xml version="1.0" encoding="utf-8"?>
 <ds:datastoreItem xmlns:ds="http://schemas.openxmlformats.org/officeDocument/2006/customXml" ds:itemID="{101FC4CB-71A5-4048-94F5-81A8F964010E}">
   <ds:schemaRefs>
     <ds:schemaRef ds:uri="http://schemas.microsoft.com/office/2006/metadata/contentType"/>
@@ -13781,4 +13915,12 @@
     <ds:schemaRef ds:uri="http://schemas.microsoft.com/internal/obd"/>
   </ds:schemaRefs>
 </ds:datastoreItem>
+</file>
+
+<file path=customXml/itemProps3.xml><?xml version="1.0" encoding="utf-8"?>
+<ds:datastoreItem xmlns:ds="http://schemas.openxmlformats.org/officeDocument/2006/customXml" ds:itemID="{3315FB20-4D41-4945-9B74-59535F709A8A}">
+  <ds:schemaRefs>
+    <ds:schemaRef ds:uri="http://schemas.microsoft.com/sharepoint/v3/contenttype/forms"/>
+  </ds:schemaRefs>
+</ds:datastoreItem>
 </file>